--- a/Presentationsmaterial/Dokument/1.1 Introduktion av ASP.NET MVC 5.pptx
+++ b/Presentationsmaterial/Dokument/1.1 Introduktion av ASP.NET MVC 5.pptx
@@ -1903,933 +1903,6 @@
       <dsp:cNvGrpSpPr/>
     </dsp:nvGrpSpPr>
     <dsp:grpSpPr/>
-    <dsp:sp modelId="{F2CAE9D9-C723-4B9D-83E5-E19DC714B775}">
-      <dsp:nvSpPr>
-        <dsp:cNvPr id="0" name=""/>
-        <dsp:cNvSpPr/>
-      </dsp:nvSpPr>
-      <dsp:spPr>
-        <a:xfrm>
-          <a:off x="2767447" y="485"/>
-          <a:ext cx="2047355" cy="2047355"/>
-        </a:xfrm>
-        <a:prstGeom prst="ellipse">
-          <a:avLst/>
-        </a:prstGeom>
-        <a:gradFill rotWithShape="0">
-          <a:gsLst>
-            <a:gs pos="0">
-              <a:srgbClr val="0070C0">
-                <a:hueOff val="0"/>
-                <a:satOff val="0"/>
-                <a:lumOff val="0"/>
-                <a:alphaOff val="0"/>
-                <a:shade val="15000"/>
-                <a:satMod val="180000"/>
-              </a:srgbClr>
-            </a:gs>
-            <a:gs pos="50000">
-              <a:srgbClr val="0070C0">
-                <a:hueOff val="0"/>
-                <a:satOff val="0"/>
-                <a:lumOff val="0"/>
-                <a:alphaOff val="0"/>
-                <a:shade val="45000"/>
-                <a:satMod val="170000"/>
-              </a:srgbClr>
-            </a:gs>
-            <a:gs pos="70000">
-              <a:srgbClr val="0070C0">
-                <a:hueOff val="0"/>
-                <a:satOff val="0"/>
-                <a:lumOff val="0"/>
-                <a:alphaOff val="0"/>
-                <a:tint val="99000"/>
-                <a:shade val="65000"/>
-                <a:satMod val="155000"/>
-              </a:srgbClr>
-            </a:gs>
-            <a:gs pos="100000">
-              <a:srgbClr val="0070C0">
-                <a:hueOff val="0"/>
-                <a:satOff val="0"/>
-                <a:lumOff val="0"/>
-                <a:alphaOff val="0"/>
-                <a:tint val="95500"/>
-                <a:shade val="100000"/>
-                <a:satMod val="155000"/>
-              </a:srgbClr>
-            </a:gs>
-          </a:gsLst>
-          <a:lin ang="16200000" scaled="0"/>
-        </a:gradFill>
-        <a:ln>
-          <a:noFill/>
-        </a:ln>
-        <a:effectLst>
-          <a:outerShdw blurRad="63500" dist="38100" dir="5400000" rotWithShape="0">
-            <a:srgbClr val="000000">
-              <a:alpha val="45000"/>
-            </a:srgbClr>
-          </a:outerShdw>
-        </a:effectLst>
-        <a:scene3d>
-          <a:camera prst="orthographicFront" fov="0">
-            <a:rot lat="0" lon="0" rev="0"/>
-          </a:camera>
-          <a:lightRig rig="glow" dir="t">
-            <a:rot lat="0" lon="0" rev="6360000"/>
-          </a:lightRig>
-        </a:scene3d>
-        <a:sp3d contourW="1000" prstMaterial="flat">
-          <a:bevelT w="95250" h="101600"/>
-          <a:contourClr>
-            <a:srgbClr val="0070C0">
-              <a:hueOff val="0"/>
-              <a:satOff val="0"/>
-              <a:lumOff val="0"/>
-              <a:alphaOff val="0"/>
-              <a:satMod val="300000"/>
-            </a:srgbClr>
-          </a:contourClr>
-        </a:sp3d>
-      </dsp:spPr>
-      <dsp:style>
-        <a:lnRef idx="0">
-          <a:scrgbClr r="0" g="0" b="0"/>
-        </a:lnRef>
-        <a:fillRef idx="3">
-          <a:scrgbClr r="0" g="0" b="0"/>
-        </a:fillRef>
-        <a:effectRef idx="3">
-          <a:scrgbClr r="0" g="0" b="0"/>
-        </a:effectRef>
-        <a:fontRef idx="minor">
-          <a:schemeClr val="lt1"/>
-        </a:fontRef>
-      </dsp:style>
-      <dsp:txBody>
-        <a:bodyPr spcFirstLastPara="0" vert="horz" wrap="square" lIns="30480" tIns="30480" rIns="30480" bIns="30480" numCol="1" spcCol="1270" anchor="ctr" anchorCtr="0">
-          <a:noAutofit/>
-        </a:bodyPr>
-        <a:lstStyle/>
-        <a:p>
-          <a:pPr lvl="0" algn="ctr" defTabSz="1066800">
-            <a:lnSpc>
-              <a:spcPct val="90000"/>
-            </a:lnSpc>
-            <a:spcBef>
-              <a:spcPct val="0"/>
-            </a:spcBef>
-            <a:spcAft>
-              <a:spcPct val="35000"/>
-            </a:spcAft>
-          </a:pPr>
-          <a:r>
-            <a:rPr lang="en-US" sz="2400" kern="1200" dirty="0" smtClean="0">
-              <a:solidFill>
-                <a:srgbClr val="FFFFFF"/>
-              </a:solidFill>
-              <a:effectLst>
-                <a:outerShdw blurRad="38100" dist="38100" dir="2700000" algn="tl">
-                  <a:srgbClr val="000000">
-                    <a:alpha val="43137"/>
-                  </a:srgbClr>
-                </a:outerShdw>
-              </a:effectLst>
-              <a:latin typeface="Times New Roman" pitchFamily="18" charset="0"/>
-              <a:ea typeface="+mn-ea"/>
-              <a:cs typeface="Times New Roman" pitchFamily="18" charset="0"/>
-            </a:rPr>
-            <a:t>Model</a:t>
-          </a:r>
-          <a:endParaRPr lang="en-US" sz="2400" kern="1200" dirty="0">
-            <a:solidFill>
-              <a:srgbClr val="FFFFFF"/>
-            </a:solidFill>
-            <a:effectLst>
-              <a:outerShdw blurRad="38100" dist="38100" dir="2700000" algn="tl">
-                <a:srgbClr val="000000">
-                  <a:alpha val="43137"/>
-                </a:srgbClr>
-              </a:outerShdw>
-            </a:effectLst>
-            <a:latin typeface="Times New Roman" pitchFamily="18" charset="0"/>
-            <a:ea typeface="+mn-ea"/>
-            <a:cs typeface="Times New Roman" pitchFamily="18" charset="0"/>
-          </a:endParaRPr>
-        </a:p>
-      </dsp:txBody>
-      <dsp:txXfrm>
-        <a:off x="3067275" y="300313"/>
-        <a:ext cx="1447699" cy="1447699"/>
-      </dsp:txXfrm>
-    </dsp:sp>
-    <dsp:sp modelId="{C091CEA3-4B2C-40B9-8584-FC70FED27F56}">
-      <dsp:nvSpPr>
-        <dsp:cNvPr id="0" name=""/>
-        <dsp:cNvSpPr/>
-      </dsp:nvSpPr>
-      <dsp:spPr>
-        <a:xfrm rot="14400000">
-          <a:off x="4279829" y="1997060"/>
-          <a:ext cx="544934" cy="690982"/>
-        </a:xfrm>
-        <a:prstGeom prst="rightArrow">
-          <a:avLst>
-            <a:gd name="adj1" fmla="val 60000"/>
-            <a:gd name="adj2" fmla="val 50000"/>
-          </a:avLst>
-        </a:prstGeom>
-        <a:gradFill rotWithShape="0">
-          <a:gsLst>
-            <a:gs pos="0">
-              <a:srgbClr val="0070C0">
-                <a:hueOff val="0"/>
-                <a:satOff val="0"/>
-                <a:lumOff val="0"/>
-                <a:alphaOff val="0"/>
-                <a:shade val="15000"/>
-                <a:satMod val="180000"/>
-              </a:srgbClr>
-            </a:gs>
-            <a:gs pos="50000">
-              <a:srgbClr val="0070C0">
-                <a:hueOff val="0"/>
-                <a:satOff val="0"/>
-                <a:lumOff val="0"/>
-                <a:alphaOff val="0"/>
-                <a:shade val="45000"/>
-                <a:satMod val="170000"/>
-              </a:srgbClr>
-            </a:gs>
-            <a:gs pos="70000">
-              <a:srgbClr val="0070C0">
-                <a:hueOff val="0"/>
-                <a:satOff val="0"/>
-                <a:lumOff val="0"/>
-                <a:alphaOff val="0"/>
-                <a:tint val="99000"/>
-                <a:shade val="65000"/>
-                <a:satMod val="155000"/>
-              </a:srgbClr>
-            </a:gs>
-            <a:gs pos="100000">
-              <a:srgbClr val="0070C0">
-                <a:hueOff val="0"/>
-                <a:satOff val="0"/>
-                <a:lumOff val="0"/>
-                <a:alphaOff val="0"/>
-                <a:tint val="95500"/>
-                <a:shade val="100000"/>
-                <a:satMod val="155000"/>
-              </a:srgbClr>
-            </a:gs>
-          </a:gsLst>
-          <a:lin ang="16200000" scaled="0"/>
-        </a:gradFill>
-        <a:ln>
-          <a:noFill/>
-        </a:ln>
-        <a:effectLst>
-          <a:outerShdw blurRad="63500" dist="38100" dir="5400000" rotWithShape="0">
-            <a:srgbClr val="000000">
-              <a:alpha val="45000"/>
-            </a:srgbClr>
-          </a:outerShdw>
-        </a:effectLst>
-        <a:scene3d>
-          <a:camera prst="orthographicFront" fov="0">
-            <a:rot lat="0" lon="0" rev="0"/>
-          </a:camera>
-          <a:lightRig rig="glow" dir="t">
-            <a:rot lat="0" lon="0" rev="6360000"/>
-          </a:lightRig>
-        </a:scene3d>
-        <a:sp3d contourW="1000" prstMaterial="flat">
-          <a:bevelT w="95250" h="101600"/>
-          <a:contourClr>
-            <a:srgbClr val="0070C0">
-              <a:hueOff val="0"/>
-              <a:satOff val="0"/>
-              <a:lumOff val="0"/>
-              <a:alphaOff val="0"/>
-              <a:satMod val="300000"/>
-            </a:srgbClr>
-          </a:contourClr>
-        </a:sp3d>
-      </dsp:spPr>
-      <dsp:style>
-        <a:lnRef idx="0">
-          <a:scrgbClr r="0" g="0" b="0"/>
-        </a:lnRef>
-        <a:fillRef idx="3">
-          <a:scrgbClr r="0" g="0" b="0"/>
-        </a:fillRef>
-        <a:effectRef idx="3">
-          <a:scrgbClr r="0" g="0" b="0"/>
-        </a:effectRef>
-        <a:fontRef idx="minor">
-          <a:schemeClr val="lt1"/>
-        </a:fontRef>
-      </dsp:style>
-      <dsp:txBody>
-        <a:bodyPr spcFirstLastPara="0" vert="horz" wrap="square" lIns="0" tIns="0" rIns="0" bIns="0" numCol="1" spcCol="1270" anchor="ctr" anchorCtr="0">
-          <a:noAutofit/>
-        </a:bodyPr>
-        <a:lstStyle/>
-        <a:p>
-          <a:pPr lvl="0" algn="ctr" defTabSz="711200">
-            <a:lnSpc>
-              <a:spcPct val="90000"/>
-            </a:lnSpc>
-            <a:spcBef>
-              <a:spcPct val="0"/>
-            </a:spcBef>
-            <a:spcAft>
-              <a:spcPct val="35000"/>
-            </a:spcAft>
-          </a:pPr>
-          <a:endParaRPr lang="en-US" sz="1600" kern="1200">
-            <a:solidFill>
-              <a:srgbClr val="FFFFFF"/>
-            </a:solidFill>
-            <a:effectLst>
-              <a:outerShdw blurRad="38100" dist="38100" dir="2700000" algn="tl">
-                <a:srgbClr val="000000">
-                  <a:alpha val="43137"/>
-                </a:srgbClr>
-              </a:outerShdw>
-            </a:effectLst>
-            <a:latin typeface="Calibri" pitchFamily="34" charset="0"/>
-            <a:ea typeface="+mn-ea"/>
-            <a:cs typeface="+mn-cs"/>
-          </a:endParaRPr>
-        </a:p>
-      </dsp:txBody>
-      <dsp:txXfrm>
-        <a:off x="4402439" y="2206045"/>
-        <a:ext cx="381454" cy="414590"/>
-      </dsp:txXfrm>
-    </dsp:sp>
-    <dsp:sp modelId="{0C32E034-F35B-4AE7-8A77-80CD05929382}">
-      <dsp:nvSpPr>
-        <dsp:cNvPr id="0" name=""/>
-        <dsp:cNvSpPr/>
-      </dsp:nvSpPr>
-      <dsp:spPr>
-        <a:xfrm>
-          <a:off x="4305214" y="2663975"/>
-          <a:ext cx="2047355" cy="2047355"/>
-        </a:xfrm>
-        <a:prstGeom prst="ellipse">
-          <a:avLst/>
-        </a:prstGeom>
-        <a:gradFill rotWithShape="0">
-          <a:gsLst>
-            <a:gs pos="0">
-              <a:srgbClr val="0070C0">
-                <a:hueOff val="-5707906"/>
-                <a:satOff val="-24090"/>
-                <a:lumOff val="2745"/>
-                <a:alphaOff val="0"/>
-                <a:shade val="15000"/>
-                <a:satMod val="180000"/>
-              </a:srgbClr>
-            </a:gs>
-            <a:gs pos="50000">
-              <a:srgbClr val="0070C0">
-                <a:hueOff val="-5707906"/>
-                <a:satOff val="-24090"/>
-                <a:lumOff val="2745"/>
-                <a:alphaOff val="0"/>
-                <a:shade val="45000"/>
-                <a:satMod val="170000"/>
-              </a:srgbClr>
-            </a:gs>
-            <a:gs pos="70000">
-              <a:srgbClr val="0070C0">
-                <a:hueOff val="-5707906"/>
-                <a:satOff val="-24090"/>
-                <a:lumOff val="2745"/>
-                <a:alphaOff val="0"/>
-                <a:tint val="99000"/>
-                <a:shade val="65000"/>
-                <a:satMod val="155000"/>
-              </a:srgbClr>
-            </a:gs>
-            <a:gs pos="100000">
-              <a:srgbClr val="0070C0">
-                <a:hueOff val="-5707906"/>
-                <a:satOff val="-24090"/>
-                <a:lumOff val="2745"/>
-                <a:alphaOff val="0"/>
-                <a:tint val="95500"/>
-                <a:shade val="100000"/>
-                <a:satMod val="155000"/>
-              </a:srgbClr>
-            </a:gs>
-          </a:gsLst>
-          <a:lin ang="16200000" scaled="0"/>
-        </a:gradFill>
-        <a:ln>
-          <a:noFill/>
-        </a:ln>
-        <a:effectLst>
-          <a:outerShdw blurRad="63500" dist="38100" dir="5400000" rotWithShape="0">
-            <a:srgbClr val="000000">
-              <a:alpha val="45000"/>
-            </a:srgbClr>
-          </a:outerShdw>
-        </a:effectLst>
-        <a:scene3d>
-          <a:camera prst="orthographicFront" fov="0">
-            <a:rot lat="0" lon="0" rev="0"/>
-          </a:camera>
-          <a:lightRig rig="glow" dir="t">
-            <a:rot lat="0" lon="0" rev="6360000"/>
-          </a:lightRig>
-        </a:scene3d>
-        <a:sp3d contourW="1000" prstMaterial="flat">
-          <a:bevelT w="95250" h="101600"/>
-          <a:contourClr>
-            <a:srgbClr val="0070C0">
-              <a:hueOff val="-5707906"/>
-              <a:satOff val="-24090"/>
-              <a:lumOff val="2745"/>
-              <a:alphaOff val="0"/>
-              <a:satMod val="300000"/>
-            </a:srgbClr>
-          </a:contourClr>
-        </a:sp3d>
-      </dsp:spPr>
-      <dsp:style>
-        <a:lnRef idx="0">
-          <a:scrgbClr r="0" g="0" b="0"/>
-        </a:lnRef>
-        <a:fillRef idx="3">
-          <a:scrgbClr r="0" g="0" b="0"/>
-        </a:fillRef>
-        <a:effectRef idx="3">
-          <a:scrgbClr r="0" g="0" b="0"/>
-        </a:effectRef>
-        <a:fontRef idx="minor">
-          <a:schemeClr val="lt1"/>
-        </a:fontRef>
-      </dsp:style>
-      <dsp:txBody>
-        <a:bodyPr spcFirstLastPara="0" vert="horz" wrap="square" lIns="30480" tIns="30480" rIns="30480" bIns="30480" numCol="1" spcCol="1270" anchor="ctr" anchorCtr="0">
-          <a:noAutofit/>
-        </a:bodyPr>
-        <a:lstStyle/>
-        <a:p>
-          <a:pPr lvl="0" algn="ctr" defTabSz="1066800">
-            <a:lnSpc>
-              <a:spcPct val="90000"/>
-            </a:lnSpc>
-            <a:spcBef>
-              <a:spcPct val="0"/>
-            </a:spcBef>
-            <a:spcAft>
-              <a:spcPct val="35000"/>
-            </a:spcAft>
-          </a:pPr>
-          <a:r>
-            <a:rPr lang="en-US" sz="2400" kern="1200" dirty="0" smtClean="0">
-              <a:solidFill>
-                <a:srgbClr val="FFFFFF"/>
-              </a:solidFill>
-              <a:effectLst>
-                <a:outerShdw blurRad="38100" dist="38100" dir="2700000" algn="tl">
-                  <a:srgbClr val="000000">
-                    <a:alpha val="43137"/>
-                  </a:srgbClr>
-                </a:outerShdw>
-              </a:effectLst>
-              <a:latin typeface="Times New Roman" pitchFamily="18" charset="0"/>
-              <a:ea typeface="+mn-ea"/>
-              <a:cs typeface="Times New Roman" pitchFamily="18" charset="0"/>
-            </a:rPr>
-            <a:t>Controller</a:t>
-          </a:r>
-          <a:endParaRPr lang="en-US" sz="2400" kern="1200" dirty="0">
-            <a:solidFill>
-              <a:srgbClr val="FFFFFF"/>
-            </a:solidFill>
-            <a:effectLst>
-              <a:outerShdw blurRad="38100" dist="38100" dir="2700000" algn="tl">
-                <a:srgbClr val="000000">
-                  <a:alpha val="43137"/>
-                </a:srgbClr>
-              </a:outerShdw>
-            </a:effectLst>
-            <a:latin typeface="Times New Roman" pitchFamily="18" charset="0"/>
-            <a:ea typeface="+mn-ea"/>
-            <a:cs typeface="Times New Roman" pitchFamily="18" charset="0"/>
-          </a:endParaRPr>
-        </a:p>
-      </dsp:txBody>
-      <dsp:txXfrm>
-        <a:off x="4605042" y="2963803"/>
-        <a:ext cx="1447699" cy="1447699"/>
-      </dsp:txXfrm>
-    </dsp:sp>
-    <dsp:sp modelId="{8D51955A-1F26-417A-BFD8-B1447137451A}">
-      <dsp:nvSpPr>
-        <dsp:cNvPr id="0" name=""/>
-        <dsp:cNvSpPr/>
-      </dsp:nvSpPr>
-      <dsp:spPr>
-        <a:xfrm rot="10800000">
-          <a:off x="3534080" y="3342162"/>
-          <a:ext cx="544934" cy="690982"/>
-        </a:xfrm>
-        <a:prstGeom prst="rightArrow">
-          <a:avLst>
-            <a:gd name="adj1" fmla="val 60000"/>
-            <a:gd name="adj2" fmla="val 50000"/>
-          </a:avLst>
-        </a:prstGeom>
-        <a:gradFill rotWithShape="0">
-          <a:gsLst>
-            <a:gs pos="0">
-              <a:srgbClr val="0070C0">
-                <a:hueOff val="-5707906"/>
-                <a:satOff val="-24090"/>
-                <a:lumOff val="2745"/>
-                <a:alphaOff val="0"/>
-                <a:shade val="15000"/>
-                <a:satMod val="180000"/>
-              </a:srgbClr>
-            </a:gs>
-            <a:gs pos="50000">
-              <a:srgbClr val="0070C0">
-                <a:hueOff val="-5707906"/>
-                <a:satOff val="-24090"/>
-                <a:lumOff val="2745"/>
-                <a:alphaOff val="0"/>
-                <a:shade val="45000"/>
-                <a:satMod val="170000"/>
-              </a:srgbClr>
-            </a:gs>
-            <a:gs pos="70000">
-              <a:srgbClr val="0070C0">
-                <a:hueOff val="-5707906"/>
-                <a:satOff val="-24090"/>
-                <a:lumOff val="2745"/>
-                <a:alphaOff val="0"/>
-                <a:tint val="99000"/>
-                <a:shade val="65000"/>
-                <a:satMod val="155000"/>
-              </a:srgbClr>
-            </a:gs>
-            <a:gs pos="100000">
-              <a:srgbClr val="0070C0">
-                <a:hueOff val="-5707906"/>
-                <a:satOff val="-24090"/>
-                <a:lumOff val="2745"/>
-                <a:alphaOff val="0"/>
-                <a:tint val="95500"/>
-                <a:shade val="100000"/>
-                <a:satMod val="155000"/>
-              </a:srgbClr>
-            </a:gs>
-          </a:gsLst>
-          <a:lin ang="16200000" scaled="0"/>
-        </a:gradFill>
-        <a:ln>
-          <a:noFill/>
-        </a:ln>
-        <a:effectLst>
-          <a:outerShdw blurRad="63500" dist="38100" dir="5400000" rotWithShape="0">
-            <a:srgbClr val="000000">
-              <a:alpha val="45000"/>
-            </a:srgbClr>
-          </a:outerShdw>
-        </a:effectLst>
-        <a:scene3d>
-          <a:camera prst="orthographicFront" fov="0">
-            <a:rot lat="0" lon="0" rev="0"/>
-          </a:camera>
-          <a:lightRig rig="glow" dir="t">
-            <a:rot lat="0" lon="0" rev="6360000"/>
-          </a:lightRig>
-        </a:scene3d>
-        <a:sp3d contourW="1000" prstMaterial="flat">
-          <a:bevelT w="95250" h="101600"/>
-          <a:contourClr>
-            <a:srgbClr val="0070C0">
-              <a:hueOff val="-5707906"/>
-              <a:satOff val="-24090"/>
-              <a:lumOff val="2745"/>
-              <a:alphaOff val="0"/>
-              <a:satMod val="300000"/>
-            </a:srgbClr>
-          </a:contourClr>
-        </a:sp3d>
-      </dsp:spPr>
-      <dsp:style>
-        <a:lnRef idx="0">
-          <a:scrgbClr r="0" g="0" b="0"/>
-        </a:lnRef>
-        <a:fillRef idx="3">
-          <a:scrgbClr r="0" g="0" b="0"/>
-        </a:fillRef>
-        <a:effectRef idx="3">
-          <a:scrgbClr r="0" g="0" b="0"/>
-        </a:effectRef>
-        <a:fontRef idx="minor">
-          <a:schemeClr val="lt1"/>
-        </a:fontRef>
-      </dsp:style>
-      <dsp:txBody>
-        <a:bodyPr spcFirstLastPara="0" vert="horz" wrap="square" lIns="0" tIns="0" rIns="0" bIns="0" numCol="1" spcCol="1270" anchor="ctr" anchorCtr="0">
-          <a:noAutofit/>
-        </a:bodyPr>
-        <a:lstStyle/>
-        <a:p>
-          <a:pPr lvl="0" algn="ctr" defTabSz="711200">
-            <a:lnSpc>
-              <a:spcPct val="90000"/>
-            </a:lnSpc>
-            <a:spcBef>
-              <a:spcPct val="0"/>
-            </a:spcBef>
-            <a:spcAft>
-              <a:spcPct val="35000"/>
-            </a:spcAft>
-          </a:pPr>
-          <a:endParaRPr lang="en-US" sz="1600" kern="1200">
-            <a:solidFill>
-              <a:srgbClr val="FFFFFF"/>
-            </a:solidFill>
-            <a:effectLst>
-              <a:outerShdw blurRad="38100" dist="38100" dir="2700000" algn="tl">
-                <a:srgbClr val="000000">
-                  <a:alpha val="43137"/>
-                </a:srgbClr>
-              </a:outerShdw>
-            </a:effectLst>
-            <a:latin typeface="Calibri" pitchFamily="34" charset="0"/>
-            <a:ea typeface="+mn-ea"/>
-            <a:cs typeface="+mn-cs"/>
-          </a:endParaRPr>
-        </a:p>
-      </dsp:txBody>
-      <dsp:txXfrm rot="10800000">
-        <a:off x="3697560" y="3480358"/>
-        <a:ext cx="381454" cy="414590"/>
-      </dsp:txXfrm>
-    </dsp:sp>
-    <dsp:sp modelId="{B543C296-41D4-4ED9-AD98-EFC8932DCBB0}">
-      <dsp:nvSpPr>
-        <dsp:cNvPr id="0" name=""/>
-        <dsp:cNvSpPr/>
-      </dsp:nvSpPr>
-      <dsp:spPr>
-        <a:xfrm>
-          <a:off x="1229680" y="2663975"/>
-          <a:ext cx="2047355" cy="2047355"/>
-        </a:xfrm>
-        <a:prstGeom prst="ellipse">
-          <a:avLst/>
-        </a:prstGeom>
-        <a:gradFill rotWithShape="0">
-          <a:gsLst>
-            <a:gs pos="0">
-              <a:srgbClr val="0070C0">
-                <a:hueOff val="-11415811"/>
-                <a:satOff val="-48181"/>
-                <a:lumOff val="5490"/>
-                <a:alphaOff val="0"/>
-                <a:shade val="15000"/>
-                <a:satMod val="180000"/>
-              </a:srgbClr>
-            </a:gs>
-            <a:gs pos="50000">
-              <a:srgbClr val="0070C0">
-                <a:hueOff val="-11415811"/>
-                <a:satOff val="-48181"/>
-                <a:lumOff val="5490"/>
-                <a:alphaOff val="0"/>
-                <a:shade val="45000"/>
-                <a:satMod val="170000"/>
-              </a:srgbClr>
-            </a:gs>
-            <a:gs pos="70000">
-              <a:srgbClr val="0070C0">
-                <a:hueOff val="-11415811"/>
-                <a:satOff val="-48181"/>
-                <a:lumOff val="5490"/>
-                <a:alphaOff val="0"/>
-                <a:tint val="99000"/>
-                <a:shade val="65000"/>
-                <a:satMod val="155000"/>
-              </a:srgbClr>
-            </a:gs>
-            <a:gs pos="100000">
-              <a:srgbClr val="0070C0">
-                <a:hueOff val="-11415811"/>
-                <a:satOff val="-48181"/>
-                <a:lumOff val="5490"/>
-                <a:alphaOff val="0"/>
-                <a:tint val="95500"/>
-                <a:shade val="100000"/>
-                <a:satMod val="155000"/>
-              </a:srgbClr>
-            </a:gs>
-          </a:gsLst>
-          <a:lin ang="16200000" scaled="0"/>
-        </a:gradFill>
-        <a:ln>
-          <a:noFill/>
-        </a:ln>
-        <a:effectLst>
-          <a:outerShdw blurRad="63500" dist="38100" dir="5400000" rotWithShape="0">
-            <a:srgbClr val="000000">
-              <a:alpha val="45000"/>
-            </a:srgbClr>
-          </a:outerShdw>
-        </a:effectLst>
-        <a:scene3d>
-          <a:camera prst="orthographicFront" fov="0">
-            <a:rot lat="0" lon="0" rev="0"/>
-          </a:camera>
-          <a:lightRig rig="glow" dir="t">
-            <a:rot lat="0" lon="0" rev="6360000"/>
-          </a:lightRig>
-        </a:scene3d>
-        <a:sp3d contourW="1000" prstMaterial="flat">
-          <a:bevelT w="95250" h="101600"/>
-          <a:contourClr>
-            <a:srgbClr val="0070C0">
-              <a:hueOff val="-11415811"/>
-              <a:satOff val="-48181"/>
-              <a:lumOff val="5490"/>
-              <a:alphaOff val="0"/>
-              <a:satMod val="300000"/>
-            </a:srgbClr>
-          </a:contourClr>
-        </a:sp3d>
-      </dsp:spPr>
-      <dsp:style>
-        <a:lnRef idx="0">
-          <a:scrgbClr r="0" g="0" b="0"/>
-        </a:lnRef>
-        <a:fillRef idx="3">
-          <a:scrgbClr r="0" g="0" b="0"/>
-        </a:fillRef>
-        <a:effectRef idx="3">
-          <a:scrgbClr r="0" g="0" b="0"/>
-        </a:effectRef>
-        <a:fontRef idx="minor">
-          <a:schemeClr val="lt1"/>
-        </a:fontRef>
-      </dsp:style>
-      <dsp:txBody>
-        <a:bodyPr spcFirstLastPara="0" vert="horz" wrap="square" lIns="30480" tIns="30480" rIns="30480" bIns="30480" numCol="1" spcCol="1270" anchor="ctr" anchorCtr="0">
-          <a:noAutofit/>
-        </a:bodyPr>
-        <a:lstStyle/>
-        <a:p>
-          <a:pPr lvl="0" algn="ctr" defTabSz="1066800">
-            <a:lnSpc>
-              <a:spcPct val="90000"/>
-            </a:lnSpc>
-            <a:spcBef>
-              <a:spcPct val="0"/>
-            </a:spcBef>
-            <a:spcAft>
-              <a:spcPct val="35000"/>
-            </a:spcAft>
-          </a:pPr>
-          <a:r>
-            <a:rPr lang="en-US" sz="2400" kern="1200" dirty="0" smtClean="0">
-              <a:solidFill>
-                <a:srgbClr val="FFFFFF"/>
-              </a:solidFill>
-              <a:effectLst>
-                <a:outerShdw blurRad="38100" dist="38100" dir="2700000" algn="tl">
-                  <a:srgbClr val="000000">
-                    <a:alpha val="43137"/>
-                  </a:srgbClr>
-                </a:outerShdw>
-              </a:effectLst>
-              <a:latin typeface="Times New Roman" pitchFamily="18" charset="0"/>
-              <a:ea typeface="+mn-ea"/>
-              <a:cs typeface="Times New Roman" pitchFamily="18" charset="0"/>
-            </a:rPr>
-            <a:t>View</a:t>
-          </a:r>
-          <a:endParaRPr lang="en-US" sz="2400" kern="1200" dirty="0">
-            <a:solidFill>
-              <a:srgbClr val="FFFFFF"/>
-            </a:solidFill>
-            <a:effectLst>
-              <a:outerShdw blurRad="38100" dist="38100" dir="2700000" algn="tl">
-                <a:srgbClr val="000000">
-                  <a:alpha val="43137"/>
-                </a:srgbClr>
-              </a:outerShdw>
-            </a:effectLst>
-            <a:latin typeface="Times New Roman" pitchFamily="18" charset="0"/>
-            <a:ea typeface="+mn-ea"/>
-            <a:cs typeface="Times New Roman" pitchFamily="18" charset="0"/>
-          </a:endParaRPr>
-        </a:p>
-      </dsp:txBody>
-      <dsp:txXfrm>
-        <a:off x="1529508" y="2963803"/>
-        <a:ext cx="1447699" cy="1447699"/>
-      </dsp:txXfrm>
-    </dsp:sp>
-    <dsp:sp modelId="{E06190A7-4EF1-4AEE-8ECE-00BE614AA390}">
-      <dsp:nvSpPr>
-        <dsp:cNvPr id="0" name=""/>
-        <dsp:cNvSpPr/>
-      </dsp:nvSpPr>
-      <dsp:spPr>
-        <a:xfrm rot="18000000">
-          <a:off x="2742062" y="2023773"/>
-          <a:ext cx="544934" cy="690982"/>
-        </a:xfrm>
-        <a:prstGeom prst="rightArrow">
-          <a:avLst>
-            <a:gd name="adj1" fmla="val 60000"/>
-            <a:gd name="adj2" fmla="val 50000"/>
-          </a:avLst>
-        </a:prstGeom>
-        <a:gradFill rotWithShape="0">
-          <a:gsLst>
-            <a:gs pos="0">
-              <a:srgbClr val="0070C0">
-                <a:hueOff val="-11415811"/>
-                <a:satOff val="-48181"/>
-                <a:lumOff val="5490"/>
-                <a:alphaOff val="0"/>
-                <a:shade val="15000"/>
-                <a:satMod val="180000"/>
-              </a:srgbClr>
-            </a:gs>
-            <a:gs pos="50000">
-              <a:srgbClr val="0070C0">
-                <a:hueOff val="-11415811"/>
-                <a:satOff val="-48181"/>
-                <a:lumOff val="5490"/>
-                <a:alphaOff val="0"/>
-                <a:shade val="45000"/>
-                <a:satMod val="170000"/>
-              </a:srgbClr>
-            </a:gs>
-            <a:gs pos="70000">
-              <a:srgbClr val="0070C0">
-                <a:hueOff val="-11415811"/>
-                <a:satOff val="-48181"/>
-                <a:lumOff val="5490"/>
-                <a:alphaOff val="0"/>
-                <a:tint val="99000"/>
-                <a:shade val="65000"/>
-                <a:satMod val="155000"/>
-              </a:srgbClr>
-            </a:gs>
-            <a:gs pos="100000">
-              <a:srgbClr val="0070C0">
-                <a:hueOff val="-11415811"/>
-                <a:satOff val="-48181"/>
-                <a:lumOff val="5490"/>
-                <a:alphaOff val="0"/>
-                <a:tint val="95500"/>
-                <a:shade val="100000"/>
-                <a:satMod val="155000"/>
-              </a:srgbClr>
-            </a:gs>
-          </a:gsLst>
-          <a:lin ang="16200000" scaled="0"/>
-        </a:gradFill>
-        <a:ln>
-          <a:noFill/>
-        </a:ln>
-        <a:effectLst>
-          <a:outerShdw blurRad="63500" dist="38100" dir="5400000" rotWithShape="0">
-            <a:srgbClr val="000000">
-              <a:alpha val="45000"/>
-            </a:srgbClr>
-          </a:outerShdw>
-        </a:effectLst>
-        <a:scene3d>
-          <a:camera prst="orthographicFront" fov="0">
-            <a:rot lat="0" lon="0" rev="0"/>
-          </a:camera>
-          <a:lightRig rig="glow" dir="t">
-            <a:rot lat="0" lon="0" rev="6360000"/>
-          </a:lightRig>
-        </a:scene3d>
-        <a:sp3d contourW="1000" prstMaterial="flat">
-          <a:bevelT w="95250" h="101600"/>
-          <a:contourClr>
-            <a:srgbClr val="0070C0">
-              <a:hueOff val="-11415811"/>
-              <a:satOff val="-48181"/>
-              <a:lumOff val="5490"/>
-              <a:alphaOff val="0"/>
-              <a:satMod val="300000"/>
-            </a:srgbClr>
-          </a:contourClr>
-        </a:sp3d>
-      </dsp:spPr>
-      <dsp:style>
-        <a:lnRef idx="0">
-          <a:scrgbClr r="0" g="0" b="0"/>
-        </a:lnRef>
-        <a:fillRef idx="3">
-          <a:scrgbClr r="0" g="0" b="0"/>
-        </a:fillRef>
-        <a:effectRef idx="3">
-          <a:scrgbClr r="0" g="0" b="0"/>
-        </a:effectRef>
-        <a:fontRef idx="minor">
-          <a:schemeClr val="lt1"/>
-        </a:fontRef>
-      </dsp:style>
-      <dsp:txBody>
-        <a:bodyPr spcFirstLastPara="0" vert="horz" wrap="square" lIns="0" tIns="0" rIns="0" bIns="0" numCol="1" spcCol="1270" anchor="ctr" anchorCtr="0">
-          <a:noAutofit/>
-        </a:bodyPr>
-        <a:lstStyle/>
-        <a:p>
-          <a:pPr lvl="0" algn="ctr" defTabSz="711200">
-            <a:lnSpc>
-              <a:spcPct val="90000"/>
-            </a:lnSpc>
-            <a:spcBef>
-              <a:spcPct val="0"/>
-            </a:spcBef>
-            <a:spcAft>
-              <a:spcPct val="35000"/>
-            </a:spcAft>
-          </a:pPr>
-          <a:endParaRPr lang="en-US" sz="1600" kern="1200">
-            <a:solidFill>
-              <a:srgbClr val="FFFFFF"/>
-            </a:solidFill>
-            <a:effectLst>
-              <a:outerShdw blurRad="38100" dist="38100" dir="2700000" algn="tl">
-                <a:srgbClr val="000000">
-                  <a:alpha val="43137"/>
-                </a:srgbClr>
-              </a:outerShdw>
-            </a:effectLst>
-            <a:latin typeface="Calibri" pitchFamily="34" charset="0"/>
-            <a:ea typeface="+mn-ea"/>
-            <a:cs typeface="+mn-cs"/>
-          </a:endParaRPr>
-        </a:p>
-      </dsp:txBody>
-      <dsp:txXfrm>
-        <a:off x="2782932" y="2232758"/>
-        <a:ext cx="381454" cy="414590"/>
-      </dsp:txXfrm>
-    </dsp:sp>
   </dsp:spTree>
 </dsp:drawing>
 </file>
@@ -4162,7 +3235,7 @@
             <a:fld id="{0B3BAAB0-D539-4A20-AE97-450346457396}" type="datetimeFigureOut">
               <a:rPr lang="sv-SE" smtClean="0"/>
               <a:pPr/>
-              <a:t>2014-11-02</a:t>
+              <a:t>2015-10-26</a:t>
             </a:fld>
             <a:endParaRPr lang="sv-SE"/>
           </a:p>
@@ -9891,15 +8964,7 @@
                       </a:pPr>
                       <a:r>
                         <a:rPr lang="sv-SE" sz="1400" dirty="0" smtClean="0"/>
-                        <a:t>(Du </a:t>
-                      </a:r>
-                      <a:r>
-                        <a:rPr lang="sv-SE" sz="1400" dirty="0" smtClean="0"/>
-                        <a:t>kan detta redan</a:t>
-                      </a:r>
-                      <a:r>
-                        <a:rPr lang="sv-SE" sz="1400" dirty="0" smtClean="0"/>
-                        <a:t>!)</a:t>
+                        <a:t>(Du kan detta redan!)</a:t>
                       </a:r>
                       <a:endParaRPr lang="sv-SE" sz="1400" dirty="0">
                         <a:latin typeface="Times New Roman" pitchFamily="18" charset="0"/>
@@ -10694,15 +9759,7 @@
           <a:p>
             <a:r>
               <a:rPr lang="sv-SE" dirty="0" smtClean="0"/>
-              <a:t>Ett ”ASP.NET </a:t>
-            </a:r>
-            <a:r>
-              <a:rPr lang="sv-SE" dirty="0" smtClean="0"/>
-              <a:t>MVC”-</a:t>
-            </a:r>
-            <a:r>
-              <a:rPr lang="sv-SE" dirty="0" smtClean="0"/>
-              <a:t>projekt</a:t>
+              <a:t>Ett ”ASP.NET MVC”-projekt</a:t>
             </a:r>
             <a:endParaRPr lang="sv-SE" dirty="0"/>
           </a:p>
@@ -11556,11 +10613,7 @@
             </a:pPr>
             <a:r>
               <a:rPr lang="sv-SE" dirty="0" smtClean="0"/>
-              <a:t>Vanligast är att en controllermetod returnerar ett objekt av </a:t>
-            </a:r>
-            <a:r>
-              <a:rPr lang="sv-SE" dirty="0" smtClean="0"/>
-              <a:t>en typ som ärver från </a:t>
+              <a:t>Vanligast är att en controllermetod returnerar ett objekt av en typ som ärver från </a:t>
             </a:r>
             <a:r>
               <a:rPr lang="sv-SE" sz="1600" dirty="0" err="1" smtClean="0">
@@ -17456,8 +16509,17 @@
             </a:r>
             <a:r>
               <a:rPr lang="sv-SE" dirty="0" smtClean="0"/>
-              <a:t>” och ”controllers” med hjälp av interface vilket gör det möjligt att helt, eller delvis, ersätta olika komponenter med egna implementeringar.</a:t>
-            </a:r>
+              <a:t>” och ”controllers” med hjälp av interface vilket gör det möjligt att helt, eller delvis, ersätta olika komponenter med </a:t>
+            </a:r>
+            <a:r>
+              <a:rPr lang="sv-SE" smtClean="0"/>
+              <a:t>egna </a:t>
+            </a:r>
+            <a:r>
+              <a:rPr lang="sv-SE" smtClean="0"/>
+              <a:t>implementationer.</a:t>
+            </a:r>
+            <a:endParaRPr lang="sv-SE" dirty="0" smtClean="0"/>
           </a:p>
           <a:p>
             <a:pPr lvl="1">
